--- a/Deposition_Patterns/Illustrations_deposition_paths.pptx
+++ b/Deposition_Patterns/Illustrations_deposition_paths.pptx
@@ -10,6 +10,7 @@
     <p:sldId id="257" r:id="rId4"/>
     <p:sldId id="260" r:id="rId5"/>
     <p:sldId id="261" r:id="rId6"/>
+    <p:sldId id="262" r:id="rId7"/>
   </p:sldIdLst>
   <p:sldSz cx="12192000" cy="6858000"/>
   <p:notesSz cx="6858000" cy="9144000"/>
@@ -108,6 +109,11 @@
       </a:defRPr>
     </a:lvl9pPr>
   </p:defaultTextStyle>
+  <p:extLst>
+    <p:ext uri="{EFAFB233-063F-42B5-8137-9DF3F51BA10A}">
+      <p15:sldGuideLst xmlns:p15="http://schemas.microsoft.com/office/powerpoint/2012/main"/>
+    </p:ext>
+  </p:extLst>
 </p:presentation>
 </file>
 
@@ -260,7 +266,7 @@
           <a:p>
             <a:fld id="{3A710D52-2096-4BB1-B163-B82762BFB514}" type="datetimeFigureOut">
               <a:rPr lang="en-US" smtClean="0"/>
-              <a:t>10/6/2020</a:t>
+              <a:t>10/15/2020</a:t>
             </a:fld>
             <a:endParaRPr lang="en-US"/>
           </a:p>
@@ -460,7 +466,7 @@
           <a:p>
             <a:fld id="{3A710D52-2096-4BB1-B163-B82762BFB514}" type="datetimeFigureOut">
               <a:rPr lang="en-US" smtClean="0"/>
-              <a:t>10/6/2020</a:t>
+              <a:t>10/15/2020</a:t>
             </a:fld>
             <a:endParaRPr lang="en-US"/>
           </a:p>
@@ -670,7 +676,7 @@
           <a:p>
             <a:fld id="{3A710D52-2096-4BB1-B163-B82762BFB514}" type="datetimeFigureOut">
               <a:rPr lang="en-US" smtClean="0"/>
-              <a:t>10/6/2020</a:t>
+              <a:t>10/15/2020</a:t>
             </a:fld>
             <a:endParaRPr lang="en-US"/>
           </a:p>
@@ -870,7 +876,7 @@
           <a:p>
             <a:fld id="{3A710D52-2096-4BB1-B163-B82762BFB514}" type="datetimeFigureOut">
               <a:rPr lang="en-US" smtClean="0"/>
-              <a:t>10/6/2020</a:t>
+              <a:t>10/15/2020</a:t>
             </a:fld>
             <a:endParaRPr lang="en-US"/>
           </a:p>
@@ -1146,7 +1152,7 @@
           <a:p>
             <a:fld id="{3A710D52-2096-4BB1-B163-B82762BFB514}" type="datetimeFigureOut">
               <a:rPr lang="en-US" smtClean="0"/>
-              <a:t>10/6/2020</a:t>
+              <a:t>10/15/2020</a:t>
             </a:fld>
             <a:endParaRPr lang="en-US"/>
           </a:p>
@@ -1414,7 +1420,7 @@
           <a:p>
             <a:fld id="{3A710D52-2096-4BB1-B163-B82762BFB514}" type="datetimeFigureOut">
               <a:rPr lang="en-US" smtClean="0"/>
-              <a:t>10/6/2020</a:t>
+              <a:t>10/15/2020</a:t>
             </a:fld>
             <a:endParaRPr lang="en-US"/>
           </a:p>
@@ -1829,7 +1835,7 @@
           <a:p>
             <a:fld id="{3A710D52-2096-4BB1-B163-B82762BFB514}" type="datetimeFigureOut">
               <a:rPr lang="en-US" smtClean="0"/>
-              <a:t>10/6/2020</a:t>
+              <a:t>10/15/2020</a:t>
             </a:fld>
             <a:endParaRPr lang="en-US"/>
           </a:p>
@@ -1971,7 +1977,7 @@
           <a:p>
             <a:fld id="{3A710D52-2096-4BB1-B163-B82762BFB514}" type="datetimeFigureOut">
               <a:rPr lang="en-US" smtClean="0"/>
-              <a:t>10/6/2020</a:t>
+              <a:t>10/15/2020</a:t>
             </a:fld>
             <a:endParaRPr lang="en-US"/>
           </a:p>
@@ -2084,7 +2090,7 @@
           <a:p>
             <a:fld id="{3A710D52-2096-4BB1-B163-B82762BFB514}" type="datetimeFigureOut">
               <a:rPr lang="en-US" smtClean="0"/>
-              <a:t>10/6/2020</a:t>
+              <a:t>10/15/2020</a:t>
             </a:fld>
             <a:endParaRPr lang="en-US"/>
           </a:p>
@@ -2397,7 +2403,7 @@
           <a:p>
             <a:fld id="{3A710D52-2096-4BB1-B163-B82762BFB514}" type="datetimeFigureOut">
               <a:rPr lang="en-US" smtClean="0"/>
-              <a:t>10/6/2020</a:t>
+              <a:t>10/15/2020</a:t>
             </a:fld>
             <a:endParaRPr lang="en-US"/>
           </a:p>
@@ -2686,7 +2692,7 @@
           <a:p>
             <a:fld id="{3A710D52-2096-4BB1-B163-B82762BFB514}" type="datetimeFigureOut">
               <a:rPr lang="en-US" smtClean="0"/>
-              <a:t>10/6/2020</a:t>
+              <a:t>10/15/2020</a:t>
             </a:fld>
             <a:endParaRPr lang="en-US"/>
           </a:p>
@@ -2929,7 +2935,7 @@
           <a:p>
             <a:fld id="{3A710D52-2096-4BB1-B163-B82762BFB514}" type="datetimeFigureOut">
               <a:rPr lang="en-US" smtClean="0"/>
-              <a:t>10/6/2020</a:t>
+              <a:t>10/15/2020</a:t>
             </a:fld>
             <a:endParaRPr lang="en-US"/>
           </a:p>
@@ -5485,6 +5491,324 @@
 </p:sld>
 </file>
 
+<file path=ppt/slides/slide6.xml><?xml version="1.0" encoding="utf-8"?>
+<p:sld xmlns:a="http://schemas.openxmlformats.org/drawingml/2006/main" xmlns:r="http://schemas.openxmlformats.org/officeDocument/2006/relationships" xmlns:p="http://schemas.openxmlformats.org/presentationml/2006/main">
+  <p:cSld>
+    <p:spTree>
+      <p:nvGrpSpPr>
+        <p:cNvPr id="1" name=""/>
+        <p:cNvGrpSpPr/>
+        <p:nvPr/>
+      </p:nvGrpSpPr>
+      <p:grpSpPr>
+        <a:xfrm>
+          <a:off x="0" y="0"/>
+          <a:ext cx="0" cy="0"/>
+          <a:chOff x="0" y="0"/>
+          <a:chExt cx="0" cy="0"/>
+        </a:xfrm>
+      </p:grpSpPr>
+      <p:pic>
+        <p:nvPicPr>
+          <p:cNvPr id="27" name="Bilde 26">
+            <a:extLst>
+              <a:ext uri="{FF2B5EF4-FFF2-40B4-BE49-F238E27FC236}">
+                <a16:creationId xmlns:a16="http://schemas.microsoft.com/office/drawing/2014/main" id="{F75FC2CE-43D5-4D22-B3CD-4D8CFEC1EF1A}"/>
+              </a:ext>
+            </a:extLst>
+          </p:cNvPr>
+          <p:cNvPicPr>
+            <a:picLocks noChangeAspect="1"/>
+          </p:cNvPicPr>
+          <p:nvPr/>
+        </p:nvPicPr>
+        <p:blipFill>
+          <a:blip r:embed="rId2">
+            <a:extLst>
+              <a:ext uri="{28A0092B-C50C-407E-A947-70E740481C1C}">
+                <a14:useLocalDpi xmlns:a14="http://schemas.microsoft.com/office/drawing/2010/main" val="0"/>
+              </a:ext>
+            </a:extLst>
+          </a:blip>
+          <a:stretch>
+            <a:fillRect/>
+          </a:stretch>
+        </p:blipFill>
+        <p:spPr>
+          <a:xfrm>
+            <a:off x="691198" y="1676400"/>
+            <a:ext cx="2366328" cy="2374309"/>
+          </a:xfrm>
+          <a:prstGeom prst="rect">
+            <a:avLst/>
+          </a:prstGeom>
+        </p:spPr>
+      </p:pic>
+      <p:pic>
+        <p:nvPicPr>
+          <p:cNvPr id="33" name="Bilde 32">
+            <a:extLst>
+              <a:ext uri="{FF2B5EF4-FFF2-40B4-BE49-F238E27FC236}">
+                <a16:creationId xmlns:a16="http://schemas.microsoft.com/office/drawing/2014/main" id="{BC616847-57E4-49DF-A273-8BE9CF0B4292}"/>
+              </a:ext>
+            </a:extLst>
+          </p:cNvPr>
+          <p:cNvPicPr>
+            <a:picLocks noChangeAspect="1"/>
+          </p:cNvPicPr>
+          <p:nvPr/>
+        </p:nvPicPr>
+        <p:blipFill>
+          <a:blip r:embed="rId2">
+            <a:extLst>
+              <a:ext uri="{28A0092B-C50C-407E-A947-70E740481C1C}">
+                <a14:useLocalDpi xmlns:a14="http://schemas.microsoft.com/office/drawing/2010/main" val="0"/>
+              </a:ext>
+            </a:extLst>
+          </a:blip>
+          <a:stretch>
+            <a:fillRect/>
+          </a:stretch>
+        </p:blipFill>
+        <p:spPr>
+          <a:xfrm rot="5400000">
+            <a:off x="3386773" y="1676400"/>
+            <a:ext cx="2366328" cy="2374309"/>
+          </a:xfrm>
+          <a:prstGeom prst="rect">
+            <a:avLst/>
+          </a:prstGeom>
+        </p:spPr>
+      </p:pic>
+      <p:pic>
+        <p:nvPicPr>
+          <p:cNvPr id="37" name="Bilde 36">
+            <a:extLst>
+              <a:ext uri="{FF2B5EF4-FFF2-40B4-BE49-F238E27FC236}">
+                <a16:creationId xmlns:a16="http://schemas.microsoft.com/office/drawing/2014/main" id="{CC443977-81CB-487B-91B0-A2640F1CC509}"/>
+              </a:ext>
+            </a:extLst>
+          </p:cNvPr>
+          <p:cNvPicPr>
+            <a:picLocks noChangeAspect="1"/>
+          </p:cNvPicPr>
+          <p:nvPr/>
+        </p:nvPicPr>
+        <p:blipFill>
+          <a:blip r:embed="rId2">
+            <a:extLst>
+              <a:ext uri="{28A0092B-C50C-407E-A947-70E740481C1C}">
+                <a14:useLocalDpi xmlns:a14="http://schemas.microsoft.com/office/drawing/2010/main" val="0"/>
+              </a:ext>
+            </a:extLst>
+          </a:blip>
+          <a:stretch>
+            <a:fillRect/>
+          </a:stretch>
+        </p:blipFill>
+        <p:spPr>
+          <a:xfrm rot="10800000">
+            <a:off x="6082348" y="1676400"/>
+            <a:ext cx="2366328" cy="2374309"/>
+          </a:xfrm>
+          <a:prstGeom prst="rect">
+            <a:avLst/>
+          </a:prstGeom>
+        </p:spPr>
+      </p:pic>
+      <p:pic>
+        <p:nvPicPr>
+          <p:cNvPr id="39" name="Bilde 38">
+            <a:extLst>
+              <a:ext uri="{FF2B5EF4-FFF2-40B4-BE49-F238E27FC236}">
+                <a16:creationId xmlns:a16="http://schemas.microsoft.com/office/drawing/2014/main" id="{5BC2B5AD-71BB-42A9-A2D8-E6C26140A03E}"/>
+              </a:ext>
+            </a:extLst>
+          </p:cNvPr>
+          <p:cNvPicPr>
+            <a:picLocks noChangeAspect="1"/>
+          </p:cNvPicPr>
+          <p:nvPr/>
+        </p:nvPicPr>
+        <p:blipFill>
+          <a:blip r:embed="rId2">
+            <a:extLst>
+              <a:ext uri="{28A0092B-C50C-407E-A947-70E740481C1C}">
+                <a14:useLocalDpi xmlns:a14="http://schemas.microsoft.com/office/drawing/2010/main" val="0"/>
+              </a:ext>
+            </a:extLst>
+          </a:blip>
+          <a:stretch>
+            <a:fillRect/>
+          </a:stretch>
+        </p:blipFill>
+        <p:spPr>
+          <a:xfrm rot="16200000">
+            <a:off x="8777923" y="1672410"/>
+            <a:ext cx="2366328" cy="2374309"/>
+          </a:xfrm>
+          <a:prstGeom prst="rect">
+            <a:avLst/>
+          </a:prstGeom>
+        </p:spPr>
+      </p:pic>
+      <p:sp>
+        <p:nvSpPr>
+          <p:cNvPr id="40" name="TekstSylinder 39">
+            <a:extLst>
+              <a:ext uri="{FF2B5EF4-FFF2-40B4-BE49-F238E27FC236}">
+                <a16:creationId xmlns:a16="http://schemas.microsoft.com/office/drawing/2014/main" id="{1BFF8647-9784-404E-8CB0-A12B7B41CBC8}"/>
+              </a:ext>
+            </a:extLst>
+          </p:cNvPr>
+          <p:cNvSpPr txBox="1"/>
+          <p:nvPr/>
+        </p:nvSpPr>
+        <p:spPr>
+          <a:xfrm>
+            <a:off x="4363791" y="4166116"/>
+            <a:ext cx="412292" cy="369332"/>
+          </a:xfrm>
+          <a:prstGeom prst="rect">
+            <a:avLst/>
+          </a:prstGeom>
+          <a:noFill/>
+        </p:spPr>
+        <p:txBody>
+          <a:bodyPr wrap="none" rtlCol="0">
+            <a:spAutoFit/>
+          </a:bodyPr>
+          <a:lstStyle/>
+          <a:p>
+            <a:r>
+              <a:rPr lang="nb-NO" dirty="0"/>
+              <a:t>2. </a:t>
+            </a:r>
+            <a:endParaRPr lang="en-US" dirty="0"/>
+          </a:p>
+        </p:txBody>
+      </p:sp>
+      <p:sp>
+        <p:nvSpPr>
+          <p:cNvPr id="42" name="TekstSylinder 41">
+            <a:extLst>
+              <a:ext uri="{FF2B5EF4-FFF2-40B4-BE49-F238E27FC236}">
+                <a16:creationId xmlns:a16="http://schemas.microsoft.com/office/drawing/2014/main" id="{58510D49-5E38-4AD8-B438-1721A90F2112}"/>
+              </a:ext>
+            </a:extLst>
+          </p:cNvPr>
+          <p:cNvSpPr txBox="1"/>
+          <p:nvPr/>
+        </p:nvSpPr>
+        <p:spPr>
+          <a:xfrm>
+            <a:off x="9754941" y="4162544"/>
+            <a:ext cx="412292" cy="369332"/>
+          </a:xfrm>
+          <a:prstGeom prst="rect">
+            <a:avLst/>
+          </a:prstGeom>
+          <a:noFill/>
+        </p:spPr>
+        <p:txBody>
+          <a:bodyPr wrap="none" rtlCol="0">
+            <a:spAutoFit/>
+          </a:bodyPr>
+          <a:lstStyle/>
+          <a:p>
+            <a:r>
+              <a:rPr lang="nb-NO" dirty="0"/>
+              <a:t>4. </a:t>
+            </a:r>
+            <a:endParaRPr lang="en-US" dirty="0"/>
+          </a:p>
+        </p:txBody>
+      </p:sp>
+      <p:sp>
+        <p:nvSpPr>
+          <p:cNvPr id="44" name="TekstSylinder 43">
+            <a:extLst>
+              <a:ext uri="{FF2B5EF4-FFF2-40B4-BE49-F238E27FC236}">
+                <a16:creationId xmlns:a16="http://schemas.microsoft.com/office/drawing/2014/main" id="{6B5BF690-2DC2-47FF-B27B-27BB45217B31}"/>
+              </a:ext>
+            </a:extLst>
+          </p:cNvPr>
+          <p:cNvSpPr txBox="1"/>
+          <p:nvPr/>
+        </p:nvSpPr>
+        <p:spPr>
+          <a:xfrm>
+            <a:off x="7059366" y="4162544"/>
+            <a:ext cx="412292" cy="369332"/>
+          </a:xfrm>
+          <a:prstGeom prst="rect">
+            <a:avLst/>
+          </a:prstGeom>
+          <a:noFill/>
+        </p:spPr>
+        <p:txBody>
+          <a:bodyPr wrap="none" rtlCol="0">
+            <a:spAutoFit/>
+          </a:bodyPr>
+          <a:lstStyle/>
+          <a:p>
+            <a:r>
+              <a:rPr lang="nb-NO" dirty="0"/>
+              <a:t>3. </a:t>
+            </a:r>
+            <a:endParaRPr lang="en-US" dirty="0"/>
+          </a:p>
+        </p:txBody>
+      </p:sp>
+      <p:sp>
+        <p:nvSpPr>
+          <p:cNvPr id="46" name="TekstSylinder 45">
+            <a:extLst>
+              <a:ext uri="{FF2B5EF4-FFF2-40B4-BE49-F238E27FC236}">
+                <a16:creationId xmlns:a16="http://schemas.microsoft.com/office/drawing/2014/main" id="{98F5523B-87FF-4C0A-B60F-8674C93BD9D3}"/>
+              </a:ext>
+            </a:extLst>
+          </p:cNvPr>
+          <p:cNvSpPr txBox="1"/>
+          <p:nvPr/>
+        </p:nvSpPr>
+        <p:spPr>
+          <a:xfrm>
+            <a:off x="1668216" y="4162544"/>
+            <a:ext cx="412292" cy="369332"/>
+          </a:xfrm>
+          <a:prstGeom prst="rect">
+            <a:avLst/>
+          </a:prstGeom>
+          <a:noFill/>
+        </p:spPr>
+        <p:txBody>
+          <a:bodyPr wrap="none" rtlCol="0">
+            <a:spAutoFit/>
+          </a:bodyPr>
+          <a:lstStyle/>
+          <a:p>
+            <a:r>
+              <a:rPr lang="nb-NO" dirty="0"/>
+              <a:t>1. </a:t>
+            </a:r>
+            <a:endParaRPr lang="en-US" dirty="0"/>
+          </a:p>
+        </p:txBody>
+      </p:sp>
+    </p:spTree>
+    <p:extLst>
+      <p:ext uri="{BB962C8B-B14F-4D97-AF65-F5344CB8AC3E}">
+        <p14:creationId xmlns:p14="http://schemas.microsoft.com/office/powerpoint/2010/main" val="2903642097"/>
+      </p:ext>
+    </p:extLst>
+  </p:cSld>
+  <p:clrMapOvr>
+    <a:masterClrMapping/>
+  </p:clrMapOvr>
+</p:sld>
+</file>
+
 <file path=ppt/theme/theme1.xml><?xml version="1.0" encoding="utf-8"?>
 <a:theme xmlns:a="http://schemas.openxmlformats.org/drawingml/2006/main" name="Office-tema">
   <a:themeElements>
